--- a/Archived/matlab/pdf/MATLAB(0).pptx
+++ b/Archived/matlab/pdf/MATLAB(0).pptx
@@ -163,10 +163,9 @@
           <a:lstStyle/>
           <a:p>
             <a:r>
-              <a:rPr kumimoji="1" lang="zh-TW" altLang="en-US" smtClean="0"/>
+              <a:rPr kumimoji="1" lang="zh-TW" altLang="en-US"/>
               <a:t>按一下以編輯母片標題樣式</a:t>
             </a:r>
-            <a:endParaRPr kumimoji="1" lang="zh-TW" altLang="en-US"/>
           </a:p>
         </p:txBody>
       </p:sp>
@@ -282,10 +281,9 @@
           </a:lstStyle>
           <a:p>
             <a:r>
-              <a:rPr kumimoji="1" lang="zh-TW" altLang="en-US" smtClean="0"/>
+              <a:rPr kumimoji="1" lang="zh-TW" altLang="en-US"/>
               <a:t>按一下以編輯母片子標題樣式</a:t>
             </a:r>
-            <a:endParaRPr kumimoji="1" lang="zh-TW" altLang="en-US"/>
           </a:p>
         </p:txBody>
       </p:sp>
@@ -306,7 +304,7 @@
           <a:p>
             <a:fld id="{E072EFA4-F6BE-CC49-B82E-7904D1D329D2}" type="datetimeFigureOut">
               <a:rPr kumimoji="1" lang="zh-TW" altLang="en-US" smtClean="0"/>
-              <a:t>2017/11/7</a:t>
+              <a:t>2018/10/23</a:t>
             </a:fld>
             <a:endParaRPr kumimoji="1" lang="zh-TW" altLang="en-US"/>
           </a:p>
@@ -400,10 +398,9 @@
           <a:lstStyle/>
           <a:p>
             <a:r>
-              <a:rPr kumimoji="1" lang="zh-TW" altLang="en-US" smtClean="0"/>
+              <a:rPr kumimoji="1" lang="zh-TW" altLang="en-US"/>
               <a:t>按一下以編輯母片標題樣式</a:t>
             </a:r>
-            <a:endParaRPr kumimoji="1" lang="zh-TW" altLang="en-US"/>
           </a:p>
         </p:txBody>
       </p:sp>
@@ -424,38 +421,37 @@
           <a:p>
             <a:pPr lvl="0"/>
             <a:r>
-              <a:rPr kumimoji="1" lang="zh-TW" altLang="en-US" smtClean="0"/>
+              <a:rPr kumimoji="1" lang="zh-TW" altLang="en-US"/>
               <a:t>按一下以編輯母片文字樣式</a:t>
             </a:r>
           </a:p>
           <a:p>
             <a:pPr lvl="1"/>
             <a:r>
-              <a:rPr kumimoji="1" lang="zh-TW" altLang="en-US" smtClean="0"/>
+              <a:rPr kumimoji="1" lang="zh-TW" altLang="en-US"/>
               <a:t>第二層</a:t>
             </a:r>
           </a:p>
           <a:p>
             <a:pPr lvl="2"/>
             <a:r>
-              <a:rPr kumimoji="1" lang="zh-TW" altLang="en-US" smtClean="0"/>
+              <a:rPr kumimoji="1" lang="zh-TW" altLang="en-US"/>
               <a:t>第三層</a:t>
             </a:r>
           </a:p>
           <a:p>
             <a:pPr lvl="3"/>
             <a:r>
-              <a:rPr kumimoji="1" lang="zh-TW" altLang="en-US" smtClean="0"/>
+              <a:rPr kumimoji="1" lang="zh-TW" altLang="en-US"/>
               <a:t>第四層</a:t>
             </a:r>
           </a:p>
           <a:p>
             <a:pPr lvl="4"/>
             <a:r>
-              <a:rPr kumimoji="1" lang="zh-TW" altLang="en-US" smtClean="0"/>
+              <a:rPr kumimoji="1" lang="zh-TW" altLang="en-US"/>
               <a:t>第五層</a:t>
             </a:r>
-            <a:endParaRPr kumimoji="1" lang="zh-TW" altLang="en-US"/>
           </a:p>
         </p:txBody>
       </p:sp>
@@ -476,7 +472,7 @@
           <a:p>
             <a:fld id="{E072EFA4-F6BE-CC49-B82E-7904D1D329D2}" type="datetimeFigureOut">
               <a:rPr kumimoji="1" lang="zh-TW" altLang="en-US" smtClean="0"/>
-              <a:t>2017/11/7</a:t>
+              <a:t>2018/10/23</a:t>
             </a:fld>
             <a:endParaRPr kumimoji="1" lang="zh-TW" altLang="en-US"/>
           </a:p>
@@ -575,10 +571,9 @@
           <a:lstStyle/>
           <a:p>
             <a:r>
-              <a:rPr kumimoji="1" lang="zh-TW" altLang="en-US" smtClean="0"/>
+              <a:rPr kumimoji="1" lang="zh-TW" altLang="en-US"/>
               <a:t>按一下以編輯母片標題樣式</a:t>
             </a:r>
-            <a:endParaRPr kumimoji="1" lang="zh-TW" altLang="en-US"/>
           </a:p>
         </p:txBody>
       </p:sp>
@@ -604,38 +599,37 @@
           <a:p>
             <a:pPr lvl="0"/>
             <a:r>
-              <a:rPr kumimoji="1" lang="zh-TW" altLang="en-US" smtClean="0"/>
+              <a:rPr kumimoji="1" lang="zh-TW" altLang="en-US"/>
               <a:t>按一下以編輯母片文字樣式</a:t>
             </a:r>
           </a:p>
           <a:p>
             <a:pPr lvl="1"/>
             <a:r>
-              <a:rPr kumimoji="1" lang="zh-TW" altLang="en-US" smtClean="0"/>
+              <a:rPr kumimoji="1" lang="zh-TW" altLang="en-US"/>
               <a:t>第二層</a:t>
             </a:r>
           </a:p>
           <a:p>
             <a:pPr lvl="2"/>
             <a:r>
-              <a:rPr kumimoji="1" lang="zh-TW" altLang="en-US" smtClean="0"/>
+              <a:rPr kumimoji="1" lang="zh-TW" altLang="en-US"/>
               <a:t>第三層</a:t>
             </a:r>
           </a:p>
           <a:p>
             <a:pPr lvl="3"/>
             <a:r>
-              <a:rPr kumimoji="1" lang="zh-TW" altLang="en-US" smtClean="0"/>
+              <a:rPr kumimoji="1" lang="zh-TW" altLang="en-US"/>
               <a:t>第四層</a:t>
             </a:r>
           </a:p>
           <a:p>
             <a:pPr lvl="4"/>
             <a:r>
-              <a:rPr kumimoji="1" lang="zh-TW" altLang="en-US" smtClean="0"/>
+              <a:rPr kumimoji="1" lang="zh-TW" altLang="en-US"/>
               <a:t>第五層</a:t>
             </a:r>
-            <a:endParaRPr kumimoji="1" lang="zh-TW" altLang="en-US"/>
           </a:p>
         </p:txBody>
       </p:sp>
@@ -656,7 +650,7 @@
           <a:p>
             <a:fld id="{E072EFA4-F6BE-CC49-B82E-7904D1D329D2}" type="datetimeFigureOut">
               <a:rPr kumimoji="1" lang="zh-TW" altLang="en-US" smtClean="0"/>
-              <a:t>2017/11/7</a:t>
+              <a:t>2018/10/23</a:t>
             </a:fld>
             <a:endParaRPr kumimoji="1" lang="zh-TW" altLang="en-US"/>
           </a:p>
@@ -750,10 +744,9 @@
           <a:lstStyle/>
           <a:p>
             <a:r>
-              <a:rPr kumimoji="1" lang="zh-TW" altLang="en-US" smtClean="0"/>
+              <a:rPr kumimoji="1" lang="zh-TW" altLang="en-US"/>
               <a:t>按一下以編輯母片標題樣式</a:t>
             </a:r>
-            <a:endParaRPr kumimoji="1" lang="zh-TW" altLang="en-US"/>
           </a:p>
         </p:txBody>
       </p:sp>
@@ -774,38 +767,37 @@
           <a:p>
             <a:pPr lvl="0"/>
             <a:r>
-              <a:rPr kumimoji="1" lang="zh-TW" altLang="en-US" smtClean="0"/>
+              <a:rPr kumimoji="1" lang="zh-TW" altLang="en-US"/>
               <a:t>按一下以編輯母片文字樣式</a:t>
             </a:r>
           </a:p>
           <a:p>
             <a:pPr lvl="1"/>
             <a:r>
-              <a:rPr kumimoji="1" lang="zh-TW" altLang="en-US" smtClean="0"/>
+              <a:rPr kumimoji="1" lang="zh-TW" altLang="en-US"/>
               <a:t>第二層</a:t>
             </a:r>
           </a:p>
           <a:p>
             <a:pPr lvl="2"/>
             <a:r>
-              <a:rPr kumimoji="1" lang="zh-TW" altLang="en-US" smtClean="0"/>
+              <a:rPr kumimoji="1" lang="zh-TW" altLang="en-US"/>
               <a:t>第三層</a:t>
             </a:r>
           </a:p>
           <a:p>
             <a:pPr lvl="3"/>
             <a:r>
-              <a:rPr kumimoji="1" lang="zh-TW" altLang="en-US" smtClean="0"/>
+              <a:rPr kumimoji="1" lang="zh-TW" altLang="en-US"/>
               <a:t>第四層</a:t>
             </a:r>
           </a:p>
           <a:p>
             <a:pPr lvl="4"/>
             <a:r>
-              <a:rPr kumimoji="1" lang="zh-TW" altLang="en-US" smtClean="0"/>
+              <a:rPr kumimoji="1" lang="zh-TW" altLang="en-US"/>
               <a:t>第五層</a:t>
             </a:r>
-            <a:endParaRPr kumimoji="1" lang="zh-TW" altLang="en-US"/>
           </a:p>
         </p:txBody>
       </p:sp>
@@ -826,7 +818,7 @@
           <a:p>
             <a:fld id="{E072EFA4-F6BE-CC49-B82E-7904D1D329D2}" type="datetimeFigureOut">
               <a:rPr kumimoji="1" lang="zh-TW" altLang="en-US" smtClean="0"/>
-              <a:t>2017/11/7</a:t>
+              <a:t>2018/10/23</a:t>
             </a:fld>
             <a:endParaRPr kumimoji="1" lang="zh-TW" altLang="en-US"/>
           </a:p>
@@ -929,10 +921,9 @@
           </a:lstStyle>
           <a:p>
             <a:r>
-              <a:rPr kumimoji="1" lang="zh-TW" altLang="en-US" smtClean="0"/>
+              <a:rPr kumimoji="1" lang="zh-TW" altLang="en-US"/>
               <a:t>按一下以編輯母片標題樣式</a:t>
             </a:r>
-            <a:endParaRPr kumimoji="1" lang="zh-TW" altLang="en-US"/>
           </a:p>
         </p:txBody>
       </p:sp>
@@ -1049,7 +1040,7 @@
           <a:p>
             <a:pPr lvl="0"/>
             <a:r>
-              <a:rPr kumimoji="1" lang="zh-TW" altLang="en-US" smtClean="0"/>
+              <a:rPr kumimoji="1" lang="zh-TW" altLang="en-US"/>
               <a:t>按一下以編輯母片文字樣式</a:t>
             </a:r>
           </a:p>
@@ -1072,7 +1063,7 @@
           <a:p>
             <a:fld id="{E072EFA4-F6BE-CC49-B82E-7904D1D329D2}" type="datetimeFigureOut">
               <a:rPr kumimoji="1" lang="zh-TW" altLang="en-US" smtClean="0"/>
-              <a:t>2017/11/7</a:t>
+              <a:t>2018/10/23</a:t>
             </a:fld>
             <a:endParaRPr kumimoji="1" lang="zh-TW" altLang="en-US"/>
           </a:p>
@@ -1166,10 +1157,9 @@
           <a:lstStyle/>
           <a:p>
             <a:r>
-              <a:rPr kumimoji="1" lang="zh-TW" altLang="en-US" smtClean="0"/>
+              <a:rPr kumimoji="1" lang="zh-TW" altLang="en-US"/>
               <a:t>按一下以編輯母片標題樣式</a:t>
             </a:r>
-            <a:endParaRPr kumimoji="1" lang="zh-TW" altLang="en-US"/>
           </a:p>
         </p:txBody>
       </p:sp>
@@ -1223,38 +1213,37 @@
           <a:p>
             <a:pPr lvl="0"/>
             <a:r>
-              <a:rPr kumimoji="1" lang="zh-TW" altLang="en-US" smtClean="0"/>
+              <a:rPr kumimoji="1" lang="zh-TW" altLang="en-US"/>
               <a:t>按一下以編輯母片文字樣式</a:t>
             </a:r>
           </a:p>
           <a:p>
             <a:pPr lvl="1"/>
             <a:r>
-              <a:rPr kumimoji="1" lang="zh-TW" altLang="en-US" smtClean="0"/>
+              <a:rPr kumimoji="1" lang="zh-TW" altLang="en-US"/>
               <a:t>第二層</a:t>
             </a:r>
           </a:p>
           <a:p>
             <a:pPr lvl="2"/>
             <a:r>
-              <a:rPr kumimoji="1" lang="zh-TW" altLang="en-US" smtClean="0"/>
+              <a:rPr kumimoji="1" lang="zh-TW" altLang="en-US"/>
               <a:t>第三層</a:t>
             </a:r>
           </a:p>
           <a:p>
             <a:pPr lvl="3"/>
             <a:r>
-              <a:rPr kumimoji="1" lang="zh-TW" altLang="en-US" smtClean="0"/>
+              <a:rPr kumimoji="1" lang="zh-TW" altLang="en-US"/>
               <a:t>第四層</a:t>
             </a:r>
           </a:p>
           <a:p>
             <a:pPr lvl="4"/>
             <a:r>
-              <a:rPr kumimoji="1" lang="zh-TW" altLang="en-US" smtClean="0"/>
+              <a:rPr kumimoji="1" lang="zh-TW" altLang="en-US"/>
               <a:t>第五層</a:t>
             </a:r>
-            <a:endParaRPr kumimoji="1" lang="zh-TW" altLang="en-US"/>
           </a:p>
         </p:txBody>
       </p:sp>
@@ -1308,38 +1297,37 @@
           <a:p>
             <a:pPr lvl="0"/>
             <a:r>
-              <a:rPr kumimoji="1" lang="zh-TW" altLang="en-US" smtClean="0"/>
+              <a:rPr kumimoji="1" lang="zh-TW" altLang="en-US"/>
               <a:t>按一下以編輯母片文字樣式</a:t>
             </a:r>
           </a:p>
           <a:p>
             <a:pPr lvl="1"/>
             <a:r>
-              <a:rPr kumimoji="1" lang="zh-TW" altLang="en-US" smtClean="0"/>
+              <a:rPr kumimoji="1" lang="zh-TW" altLang="en-US"/>
               <a:t>第二層</a:t>
             </a:r>
           </a:p>
           <a:p>
             <a:pPr lvl="2"/>
             <a:r>
-              <a:rPr kumimoji="1" lang="zh-TW" altLang="en-US" smtClean="0"/>
+              <a:rPr kumimoji="1" lang="zh-TW" altLang="en-US"/>
               <a:t>第三層</a:t>
             </a:r>
           </a:p>
           <a:p>
             <a:pPr lvl="3"/>
             <a:r>
-              <a:rPr kumimoji="1" lang="zh-TW" altLang="en-US" smtClean="0"/>
+              <a:rPr kumimoji="1" lang="zh-TW" altLang="en-US"/>
               <a:t>第四層</a:t>
             </a:r>
           </a:p>
           <a:p>
             <a:pPr lvl="4"/>
             <a:r>
-              <a:rPr kumimoji="1" lang="zh-TW" altLang="en-US" smtClean="0"/>
+              <a:rPr kumimoji="1" lang="zh-TW" altLang="en-US"/>
               <a:t>第五層</a:t>
             </a:r>
-            <a:endParaRPr kumimoji="1" lang="zh-TW" altLang="en-US"/>
           </a:p>
         </p:txBody>
       </p:sp>
@@ -1360,7 +1348,7 @@
           <a:p>
             <a:fld id="{E072EFA4-F6BE-CC49-B82E-7904D1D329D2}" type="datetimeFigureOut">
               <a:rPr kumimoji="1" lang="zh-TW" altLang="en-US" smtClean="0"/>
-              <a:t>2017/11/7</a:t>
+              <a:t>2018/10/23</a:t>
             </a:fld>
             <a:endParaRPr kumimoji="1" lang="zh-TW" altLang="en-US"/>
           </a:p>
@@ -1458,10 +1446,9 @@
           </a:lstStyle>
           <a:p>
             <a:r>
-              <a:rPr kumimoji="1" lang="zh-TW" altLang="en-US" smtClean="0"/>
+              <a:rPr kumimoji="1" lang="zh-TW" altLang="en-US"/>
               <a:t>按一下以編輯母片標題樣式</a:t>
             </a:r>
-            <a:endParaRPr kumimoji="1" lang="zh-TW" altLang="en-US"/>
           </a:p>
         </p:txBody>
       </p:sp>
@@ -1524,7 +1511,7 @@
           <a:p>
             <a:pPr lvl="0"/>
             <a:r>
-              <a:rPr kumimoji="1" lang="zh-TW" altLang="en-US" smtClean="0"/>
+              <a:rPr kumimoji="1" lang="zh-TW" altLang="en-US"/>
               <a:t>按一下以編輯母片文字樣式</a:t>
             </a:r>
           </a:p>
@@ -1580,38 +1567,37 @@
           <a:p>
             <a:pPr lvl="0"/>
             <a:r>
-              <a:rPr kumimoji="1" lang="zh-TW" altLang="en-US" smtClean="0"/>
+              <a:rPr kumimoji="1" lang="zh-TW" altLang="en-US"/>
               <a:t>按一下以編輯母片文字樣式</a:t>
             </a:r>
           </a:p>
           <a:p>
             <a:pPr lvl="1"/>
             <a:r>
-              <a:rPr kumimoji="1" lang="zh-TW" altLang="en-US" smtClean="0"/>
+              <a:rPr kumimoji="1" lang="zh-TW" altLang="en-US"/>
               <a:t>第二層</a:t>
             </a:r>
           </a:p>
           <a:p>
             <a:pPr lvl="2"/>
             <a:r>
-              <a:rPr kumimoji="1" lang="zh-TW" altLang="en-US" smtClean="0"/>
+              <a:rPr kumimoji="1" lang="zh-TW" altLang="en-US"/>
               <a:t>第三層</a:t>
             </a:r>
           </a:p>
           <a:p>
             <a:pPr lvl="3"/>
             <a:r>
-              <a:rPr kumimoji="1" lang="zh-TW" altLang="en-US" smtClean="0"/>
+              <a:rPr kumimoji="1" lang="zh-TW" altLang="en-US"/>
               <a:t>第四層</a:t>
             </a:r>
           </a:p>
           <a:p>
             <a:pPr lvl="4"/>
             <a:r>
-              <a:rPr kumimoji="1" lang="zh-TW" altLang="en-US" smtClean="0"/>
+              <a:rPr kumimoji="1" lang="zh-TW" altLang="en-US"/>
               <a:t>第五層</a:t>
             </a:r>
-            <a:endParaRPr kumimoji="1" lang="zh-TW" altLang="en-US"/>
           </a:p>
         </p:txBody>
       </p:sp>
@@ -1674,7 +1660,7 @@
           <a:p>
             <a:pPr lvl="0"/>
             <a:r>
-              <a:rPr kumimoji="1" lang="zh-TW" altLang="en-US" smtClean="0"/>
+              <a:rPr kumimoji="1" lang="zh-TW" altLang="en-US"/>
               <a:t>按一下以編輯母片文字樣式</a:t>
             </a:r>
           </a:p>
@@ -1730,38 +1716,37 @@
           <a:p>
             <a:pPr lvl="0"/>
             <a:r>
-              <a:rPr kumimoji="1" lang="zh-TW" altLang="en-US" smtClean="0"/>
+              <a:rPr kumimoji="1" lang="zh-TW" altLang="en-US"/>
               <a:t>按一下以編輯母片文字樣式</a:t>
             </a:r>
           </a:p>
           <a:p>
             <a:pPr lvl="1"/>
             <a:r>
-              <a:rPr kumimoji="1" lang="zh-TW" altLang="en-US" smtClean="0"/>
+              <a:rPr kumimoji="1" lang="zh-TW" altLang="en-US"/>
               <a:t>第二層</a:t>
             </a:r>
           </a:p>
           <a:p>
             <a:pPr lvl="2"/>
             <a:r>
-              <a:rPr kumimoji="1" lang="zh-TW" altLang="en-US" smtClean="0"/>
+              <a:rPr kumimoji="1" lang="zh-TW" altLang="en-US"/>
               <a:t>第三層</a:t>
             </a:r>
           </a:p>
           <a:p>
             <a:pPr lvl="3"/>
             <a:r>
-              <a:rPr kumimoji="1" lang="zh-TW" altLang="en-US" smtClean="0"/>
+              <a:rPr kumimoji="1" lang="zh-TW" altLang="en-US"/>
               <a:t>第四層</a:t>
             </a:r>
           </a:p>
           <a:p>
             <a:pPr lvl="4"/>
             <a:r>
-              <a:rPr kumimoji="1" lang="zh-TW" altLang="en-US" smtClean="0"/>
+              <a:rPr kumimoji="1" lang="zh-TW" altLang="en-US"/>
               <a:t>第五層</a:t>
             </a:r>
-            <a:endParaRPr kumimoji="1" lang="zh-TW" altLang="en-US"/>
           </a:p>
         </p:txBody>
       </p:sp>
@@ -1782,7 +1767,7 @@
           <a:p>
             <a:fld id="{E072EFA4-F6BE-CC49-B82E-7904D1D329D2}" type="datetimeFigureOut">
               <a:rPr kumimoji="1" lang="zh-TW" altLang="en-US" smtClean="0"/>
-              <a:t>2017/11/7</a:t>
+              <a:t>2018/10/23</a:t>
             </a:fld>
             <a:endParaRPr kumimoji="1" lang="zh-TW" altLang="en-US"/>
           </a:p>
@@ -1876,10 +1861,9 @@
           <a:lstStyle/>
           <a:p>
             <a:r>
-              <a:rPr kumimoji="1" lang="zh-TW" altLang="en-US" smtClean="0"/>
+              <a:rPr kumimoji="1" lang="zh-TW" altLang="en-US"/>
               <a:t>按一下以編輯母片標題樣式</a:t>
             </a:r>
-            <a:endParaRPr kumimoji="1" lang="zh-TW" altLang="en-US"/>
           </a:p>
         </p:txBody>
       </p:sp>
@@ -1900,7 +1884,7 @@
           <a:p>
             <a:fld id="{E072EFA4-F6BE-CC49-B82E-7904D1D329D2}" type="datetimeFigureOut">
               <a:rPr kumimoji="1" lang="zh-TW" altLang="en-US" smtClean="0"/>
-              <a:t>2017/11/7</a:t>
+              <a:t>2018/10/23</a:t>
             </a:fld>
             <a:endParaRPr kumimoji="1" lang="zh-TW" altLang="en-US"/>
           </a:p>
@@ -1995,7 +1979,7 @@
           <a:p>
             <a:fld id="{E072EFA4-F6BE-CC49-B82E-7904D1D329D2}" type="datetimeFigureOut">
               <a:rPr kumimoji="1" lang="zh-TW" altLang="en-US" smtClean="0"/>
-              <a:t>2017/11/7</a:t>
+              <a:t>2018/10/23</a:t>
             </a:fld>
             <a:endParaRPr kumimoji="1" lang="zh-TW" altLang="en-US"/>
           </a:p>
@@ -2098,10 +2082,9 @@
           </a:lstStyle>
           <a:p>
             <a:r>
-              <a:rPr kumimoji="1" lang="zh-TW" altLang="en-US" smtClean="0"/>
+              <a:rPr kumimoji="1" lang="zh-TW" altLang="en-US"/>
               <a:t>按一下以編輯母片標題樣式</a:t>
             </a:r>
-            <a:endParaRPr kumimoji="1" lang="zh-TW" altLang="en-US"/>
           </a:p>
         </p:txBody>
       </p:sp>
@@ -2155,38 +2138,37 @@
           <a:p>
             <a:pPr lvl="0"/>
             <a:r>
-              <a:rPr kumimoji="1" lang="zh-TW" altLang="en-US" smtClean="0"/>
+              <a:rPr kumimoji="1" lang="zh-TW" altLang="en-US"/>
               <a:t>按一下以編輯母片文字樣式</a:t>
             </a:r>
           </a:p>
           <a:p>
             <a:pPr lvl="1"/>
             <a:r>
-              <a:rPr kumimoji="1" lang="zh-TW" altLang="en-US" smtClean="0"/>
+              <a:rPr kumimoji="1" lang="zh-TW" altLang="en-US"/>
               <a:t>第二層</a:t>
             </a:r>
           </a:p>
           <a:p>
             <a:pPr lvl="2"/>
             <a:r>
-              <a:rPr kumimoji="1" lang="zh-TW" altLang="en-US" smtClean="0"/>
+              <a:rPr kumimoji="1" lang="zh-TW" altLang="en-US"/>
               <a:t>第三層</a:t>
             </a:r>
           </a:p>
           <a:p>
             <a:pPr lvl="3"/>
             <a:r>
-              <a:rPr kumimoji="1" lang="zh-TW" altLang="en-US" smtClean="0"/>
+              <a:rPr kumimoji="1" lang="zh-TW" altLang="en-US"/>
               <a:t>第四層</a:t>
             </a:r>
           </a:p>
           <a:p>
             <a:pPr lvl="4"/>
             <a:r>
-              <a:rPr kumimoji="1" lang="zh-TW" altLang="en-US" smtClean="0"/>
+              <a:rPr kumimoji="1" lang="zh-TW" altLang="en-US"/>
               <a:t>第五層</a:t>
             </a:r>
-            <a:endParaRPr kumimoji="1" lang="zh-TW" altLang="en-US"/>
           </a:p>
         </p:txBody>
       </p:sp>
@@ -2249,7 +2231,7 @@
           <a:p>
             <a:pPr lvl="0"/>
             <a:r>
-              <a:rPr kumimoji="1" lang="zh-TW" altLang="en-US" smtClean="0"/>
+              <a:rPr kumimoji="1" lang="zh-TW" altLang="en-US"/>
               <a:t>按一下以編輯母片文字樣式</a:t>
             </a:r>
           </a:p>
@@ -2272,7 +2254,7 @@
           <a:p>
             <a:fld id="{E072EFA4-F6BE-CC49-B82E-7904D1D329D2}" type="datetimeFigureOut">
               <a:rPr kumimoji="1" lang="zh-TW" altLang="en-US" smtClean="0"/>
-              <a:t>2017/11/7</a:t>
+              <a:t>2018/10/23</a:t>
             </a:fld>
             <a:endParaRPr kumimoji="1" lang="zh-TW" altLang="en-US"/>
           </a:p>
@@ -2375,10 +2357,9 @@
           </a:lstStyle>
           <a:p>
             <a:r>
-              <a:rPr kumimoji="1" lang="zh-TW" altLang="en-US" smtClean="0"/>
+              <a:rPr kumimoji="1" lang="zh-TW" altLang="en-US"/>
               <a:t>按一下以編輯母片標題樣式</a:t>
             </a:r>
-            <a:endParaRPr kumimoji="1" lang="zh-TW" altLang="en-US"/>
           </a:p>
         </p:txBody>
       </p:sp>
@@ -2502,7 +2483,7 @@
           <a:p>
             <a:pPr lvl="0"/>
             <a:r>
-              <a:rPr kumimoji="1" lang="zh-TW" altLang="en-US" smtClean="0"/>
+              <a:rPr kumimoji="1" lang="zh-TW" altLang="en-US"/>
               <a:t>按一下以編輯母片文字樣式</a:t>
             </a:r>
           </a:p>
@@ -2525,7 +2506,7 @@
           <a:p>
             <a:fld id="{E072EFA4-F6BE-CC49-B82E-7904D1D329D2}" type="datetimeFigureOut">
               <a:rPr kumimoji="1" lang="zh-TW" altLang="en-US" smtClean="0"/>
-              <a:t>2017/11/7</a:t>
+              <a:t>2018/10/23</a:t>
             </a:fld>
             <a:endParaRPr kumimoji="1" lang="zh-TW" altLang="en-US"/>
           </a:p>
@@ -2634,10 +2615,9 @@
           <a:lstStyle/>
           <a:p>
             <a:r>
-              <a:rPr kumimoji="1" lang="zh-TW" altLang="en-US" smtClean="0"/>
+              <a:rPr kumimoji="1" lang="zh-TW" altLang="en-US"/>
               <a:t>按一下以編輯母片標題樣式</a:t>
             </a:r>
-            <a:endParaRPr kumimoji="1" lang="zh-TW" altLang="en-US"/>
           </a:p>
         </p:txBody>
       </p:sp>
@@ -2668,38 +2648,37 @@
           <a:p>
             <a:pPr lvl="0"/>
             <a:r>
-              <a:rPr kumimoji="1" lang="zh-TW" altLang="en-US" smtClean="0"/>
+              <a:rPr kumimoji="1" lang="zh-TW" altLang="en-US"/>
               <a:t>按一下以編輯母片文字樣式</a:t>
             </a:r>
           </a:p>
           <a:p>
             <a:pPr lvl="1"/>
             <a:r>
-              <a:rPr kumimoji="1" lang="zh-TW" altLang="en-US" smtClean="0"/>
+              <a:rPr kumimoji="1" lang="zh-TW" altLang="en-US"/>
               <a:t>第二層</a:t>
             </a:r>
           </a:p>
           <a:p>
             <a:pPr lvl="2"/>
             <a:r>
-              <a:rPr kumimoji="1" lang="zh-TW" altLang="en-US" smtClean="0"/>
+              <a:rPr kumimoji="1" lang="zh-TW" altLang="en-US"/>
               <a:t>第三層</a:t>
             </a:r>
           </a:p>
           <a:p>
             <a:pPr lvl="3"/>
             <a:r>
-              <a:rPr kumimoji="1" lang="zh-TW" altLang="en-US" smtClean="0"/>
+              <a:rPr kumimoji="1" lang="zh-TW" altLang="en-US"/>
               <a:t>第四層</a:t>
             </a:r>
           </a:p>
           <a:p>
             <a:pPr lvl="4"/>
             <a:r>
-              <a:rPr kumimoji="1" lang="zh-TW" altLang="en-US" smtClean="0"/>
+              <a:rPr kumimoji="1" lang="zh-TW" altLang="en-US"/>
               <a:t>第五層</a:t>
             </a:r>
-            <a:endParaRPr kumimoji="1" lang="zh-TW" altLang="en-US"/>
           </a:p>
         </p:txBody>
       </p:sp>
@@ -2738,7 +2717,7 @@
           <a:p>
             <a:fld id="{E072EFA4-F6BE-CC49-B82E-7904D1D329D2}" type="datetimeFigureOut">
               <a:rPr kumimoji="1" lang="zh-TW" altLang="en-US" smtClean="0"/>
-              <a:t>2017/11/7</a:t>
+              <a:t>2018/10/23</a:t>
             </a:fld>
             <a:endParaRPr kumimoji="1" lang="zh-TW" altLang="en-US"/>
           </a:p>
@@ -3115,25 +3094,37 @@
       </p:grpSpPr>
       <p:pic>
         <p:nvPicPr>
-          <p:cNvPr id="2" name="Picture 1"/>
+          <p:cNvPr id="3" name="Picture 2">
+            <a:extLst>
+              <a:ext uri="{FF2B5EF4-FFF2-40B4-BE49-F238E27FC236}">
+                <a16:creationId xmlns:a16="http://schemas.microsoft.com/office/drawing/2014/main" id="{48C045C4-D0A6-3B40-B025-80DD456EE487}"/>
+              </a:ext>
+            </a:extLst>
+          </p:cNvPr>
           <p:cNvPicPr>
             <a:picLocks noChangeAspect="1"/>
           </p:cNvPicPr>
           <p:nvPr/>
         </p:nvPicPr>
-        <p:blipFill rotWithShape="1">
+        <p:blipFill>
           <a:blip r:embed="rId2"/>
-          <a:srcRect l="17789" t="41739" r="17340" b="16667"/>
-          <a:stretch/>
+          <a:stretch>
+            <a:fillRect/>
+          </a:stretch>
         </p:blipFill>
         <p:spPr>
           <a:xfrm>
-            <a:off x="566531" y="1382846"/>
-            <a:ext cx="7763882" cy="3855076"/>
+            <a:off x="944765" y="1382846"/>
+            <a:ext cx="6971347" cy="4374179"/>
           </a:xfrm>
           <a:prstGeom prst="rect">
             <a:avLst/>
           </a:prstGeom>
+          <a:ln>
+            <a:solidFill>
+              <a:schemeClr val="tx1"/>
+            </a:solidFill>
+          </a:ln>
         </p:spPr>
       </p:pic>
       <p:sp>
@@ -3145,7 +3136,7 @@
         <p:spPr>
           <a:xfrm>
             <a:off x="879634" y="1382846"/>
-            <a:ext cx="7111428" cy="362062"/>
+            <a:ext cx="7036478" cy="362062"/>
           </a:xfrm>
           <a:prstGeom prst="rect">
             <a:avLst/>
@@ -3191,13 +3182,6 @@
   <p:clrMapOvr>
     <a:masterClrMapping/>
   </p:clrMapOvr>
-  <p:timing>
-    <p:tnLst>
-      <p:par>
-        <p:cTn id="1" dur="indefinite" restart="never" nodeType="tmRoot"/>
-      </p:par>
-    </p:tnLst>
-  </p:timing>
 </p:sld>
 </file>
 
@@ -3252,13 +3236,6 @@
   <p:clrMapOvr>
     <a:masterClrMapping/>
   </p:clrMapOvr>
-  <p:timing>
-    <p:tnLst>
-      <p:par>
-        <p:cTn id="1" dur="indefinite" restart="never" nodeType="tmRoot"/>
-      </p:par>
-    </p:tnLst>
-  </p:timing>
 </p:sld>
 </file>
 
@@ -3313,13 +3290,6 @@
   <p:clrMapOvr>
     <a:masterClrMapping/>
   </p:clrMapOvr>
-  <p:timing>
-    <p:tnLst>
-      <p:par>
-        <p:cTn id="1" dur="indefinite" restart="never" nodeType="tmRoot"/>
-      </p:par>
-    </p:tnLst>
-  </p:timing>
 </p:sld>
 </file>
 
